--- a/post_phd_ay.pptx
+++ b/post_phd_ay.pptx
@@ -3603,7 +3603,7 @@
     <a:masterClrMapping/>
   </p:clrMapOvr>
   <mc:AlternateContent xmlns:mc="http://schemas.openxmlformats.org/markup-compatibility/2006">
-    <mc:Choice xmlns:p15="http://schemas.microsoft.com/office/powerpoint/2012/main" xmlns:p14="http://schemas.microsoft.com/office/powerpoint/2010/main" xmlns="" Requires="p14">
+    <mc:Choice xmlns="" xmlns:p14="http://schemas.microsoft.com/office/powerpoint/2010/main" xmlns:p15="http://schemas.microsoft.com/office/powerpoint/2012/main" Requires="p14">
       <p:transition spd="slow" p14:dur="2000"/>
     </mc:Choice>
     <mc:Fallback>
@@ -3921,7 +3921,7 @@
     <a:masterClrMapping/>
   </p:clrMapOvr>
   <mc:AlternateContent xmlns:mc="http://schemas.openxmlformats.org/markup-compatibility/2006">
-    <mc:Choice xmlns:p15="http://schemas.microsoft.com/office/powerpoint/2012/main" xmlns:p14="http://schemas.microsoft.com/office/powerpoint/2010/main" xmlns="" Requires="p14">
+    <mc:Choice xmlns="" xmlns:p14="http://schemas.microsoft.com/office/powerpoint/2010/main" xmlns:p15="http://schemas.microsoft.com/office/powerpoint/2012/main" Requires="p14">
       <p:transition spd="slow" p14:dur="2000"/>
     </mc:Choice>
     <mc:Fallback>
@@ -4401,7 +4401,7 @@
     <a:masterClrMapping/>
   </p:clrMapOvr>
   <mc:AlternateContent xmlns:mc="http://schemas.openxmlformats.org/markup-compatibility/2006">
-    <mc:Choice xmlns:p15="http://schemas.microsoft.com/office/powerpoint/2012/main" xmlns:p14="http://schemas.microsoft.com/office/powerpoint/2010/main" xmlns="" Requires="p14">
+    <mc:Choice xmlns="" xmlns:p14="http://schemas.microsoft.com/office/powerpoint/2010/main" xmlns:p15="http://schemas.microsoft.com/office/powerpoint/2012/main" Requires="p14">
       <p:transition spd="slow" p14:dur="2000"/>
     </mc:Choice>
     <mc:Fallback>
@@ -4538,7 +4538,7 @@
               <a:buChar char=""/>
             </a:pPr>
             <a:r>
-              <a:rPr lang="en-GB" sz="3200" b="0" strike="noStrike" spc="-1">
+              <a:rPr lang="en-GB" sz="3200" b="0" strike="noStrike" spc="-1" dirty="0">
                 <a:solidFill>
                   <a:srgbClr val="000000"/>
                 </a:solidFill>
@@ -4547,7 +4547,7 @@
               </a:rPr>
               <a:t>Focussed on statistics / data science</a:t>
             </a:r>
-            <a:endParaRPr lang="en-GB" sz="3200" b="0" strike="noStrike" spc="-1">
+            <a:endParaRPr lang="en-GB" sz="3200" b="0" strike="noStrike" spc="-1" dirty="0">
               <a:latin typeface="Arial"/>
             </a:endParaRPr>
           </a:p>
@@ -4567,7 +4567,7 @@
               <a:buChar char=""/>
             </a:pPr>
             <a:r>
-              <a:rPr lang="en-GB" sz="3200" b="0" strike="noStrike" spc="-1">
+              <a:rPr lang="en-GB" sz="3200" b="0" strike="noStrike" spc="-1" dirty="0">
                 <a:solidFill>
                   <a:srgbClr val="000000"/>
                 </a:solidFill>
@@ -4576,7 +4576,7 @@
               </a:rPr>
               <a:t>Enjoy working in healthcare / areas that have societal impact</a:t>
             </a:r>
-            <a:endParaRPr lang="en-GB" sz="3200" b="0" strike="noStrike" spc="-1">
+            <a:endParaRPr lang="en-GB" sz="3200" b="0" strike="noStrike" spc="-1" dirty="0">
               <a:latin typeface="Arial"/>
             </a:endParaRPr>
           </a:p>
@@ -4596,7 +4596,7 @@
               <a:buChar char=""/>
             </a:pPr>
             <a:r>
-              <a:rPr lang="en-GB" sz="3200" b="0" strike="noStrike" spc="-1">
+              <a:rPr lang="en-GB" sz="3200" b="0" strike="noStrike" spc="-1" dirty="0">
                 <a:solidFill>
                   <a:srgbClr val="000000"/>
                 </a:solidFill>
@@ -4605,7 +4605,7 @@
               </a:rPr>
               <a:t>Variety:</a:t>
             </a:r>
-            <a:endParaRPr lang="en-GB" sz="3200" b="0" strike="noStrike" spc="-1">
+            <a:endParaRPr lang="en-GB" sz="3200" b="0" strike="noStrike" spc="-1" dirty="0">
               <a:latin typeface="Arial"/>
             </a:endParaRPr>
           </a:p>
@@ -4625,7 +4625,7 @@
               <a:buChar char=""/>
             </a:pPr>
             <a:r>
-              <a:rPr lang="en-GB" sz="2800" b="0" strike="noStrike" spc="-1">
+              <a:rPr lang="en-GB" sz="2800" b="0" strike="noStrike" spc="-1" dirty="0">
                 <a:solidFill>
                   <a:srgbClr val="000000"/>
                 </a:solidFill>
@@ -4634,7 +4634,7 @@
               </a:rPr>
               <a:t>Statistical analysis</a:t>
             </a:r>
-            <a:endParaRPr lang="en-GB" sz="2800" b="0" strike="noStrike" spc="-1">
+            <a:endParaRPr lang="en-GB" sz="2800" b="0" strike="noStrike" spc="-1" dirty="0">
               <a:latin typeface="Arial"/>
             </a:endParaRPr>
           </a:p>
@@ -4654,7 +4654,7 @@
               <a:buChar char=""/>
             </a:pPr>
             <a:r>
-              <a:rPr lang="en-GB" sz="2800" b="0" strike="noStrike" spc="-1">
+              <a:rPr lang="en-GB" sz="2800" b="0" strike="noStrike" spc="-1" dirty="0">
                 <a:solidFill>
                   <a:srgbClr val="000000"/>
                 </a:solidFill>
@@ -4663,7 +4663,7 @@
               </a:rPr>
               <a:t>Programming</a:t>
             </a:r>
-            <a:endParaRPr lang="en-GB" sz="2800" b="0" strike="noStrike" spc="-1">
+            <a:endParaRPr lang="en-GB" sz="2800" b="0" strike="noStrike" spc="-1" dirty="0">
               <a:latin typeface="Arial"/>
             </a:endParaRPr>
           </a:p>
@@ -4683,7 +4683,7 @@
               <a:buChar char=""/>
             </a:pPr>
             <a:r>
-              <a:rPr lang="en-GB" sz="2800" b="0" strike="noStrike" spc="-1">
+              <a:rPr lang="en-GB" sz="2800" b="0" strike="noStrike" spc="-1" dirty="0">
                 <a:solidFill>
                   <a:srgbClr val="000000"/>
                 </a:solidFill>
@@ -4692,7 +4692,7 @@
               </a:rPr>
               <a:t>Problem solving</a:t>
             </a:r>
-            <a:endParaRPr lang="en-GB" sz="2800" b="0" strike="noStrike" spc="-1">
+            <a:endParaRPr lang="en-GB" sz="2800" b="0" strike="noStrike" spc="-1" dirty="0">
               <a:latin typeface="Arial"/>
             </a:endParaRPr>
           </a:p>
@@ -4712,7 +4712,7 @@
               <a:buChar char=""/>
             </a:pPr>
             <a:r>
-              <a:rPr lang="en-GB" sz="2800" b="0" strike="noStrike" spc="-1">
+              <a:rPr lang="en-GB" sz="2800" b="0" strike="noStrike" spc="-1" dirty="0">
                 <a:solidFill>
                   <a:srgbClr val="000000"/>
                 </a:solidFill>
@@ -4721,7 +4721,7 @@
               </a:rPr>
               <a:t>Research</a:t>
             </a:r>
-            <a:endParaRPr lang="en-GB" sz="2800" b="0" strike="noStrike" spc="-1">
+            <a:endParaRPr lang="en-GB" sz="2800" b="0" strike="noStrike" spc="-1" dirty="0">
               <a:latin typeface="Arial"/>
             </a:endParaRPr>
           </a:p>
@@ -4741,7 +4741,7 @@
               <a:buChar char=""/>
             </a:pPr>
             <a:r>
-              <a:rPr lang="en-GB" sz="3200" b="0" strike="noStrike" spc="-1">
+              <a:rPr lang="en-GB" sz="3200" b="0" strike="noStrike" spc="-1" dirty="0">
                 <a:solidFill>
                   <a:srgbClr val="000000"/>
                 </a:solidFill>
@@ -4750,7 +4750,7 @@
               </a:rPr>
               <a:t>Relatively easy transition to statistics for applied mathematicians</a:t>
             </a:r>
-            <a:endParaRPr lang="en-GB" sz="3200" b="0" strike="noStrike" spc="-1">
+            <a:endParaRPr lang="en-GB" sz="3200" b="0" strike="noStrike" spc="-1" dirty="0">
               <a:latin typeface="Arial"/>
             </a:endParaRPr>
           </a:p>
@@ -4770,16 +4770,16 @@
               <a:buChar char=""/>
             </a:pPr>
             <a:r>
-              <a:rPr lang="en-GB" sz="2800" b="0" strike="noStrike" spc="-1">
+              <a:rPr lang="en-GB" sz="2800" b="0" strike="noStrike" spc="-1" dirty="0" smtClean="0">
                 <a:solidFill>
                   <a:srgbClr val="000000"/>
                 </a:solidFill>
                 <a:latin typeface="Source Sans Pro"/>
                 <a:ea typeface="DejaVu Sans"/>
               </a:rPr>
-              <a:t>Essential to get good at interpreting results</a:t>
-            </a:r>
-            <a:endParaRPr lang="en-GB" sz="2800" b="0" strike="noStrike" spc="-1">
+              <a:t>Ability to interpret results is very important</a:t>
+            </a:r>
+            <a:endParaRPr lang="en-GB" sz="2800" b="0" strike="noStrike" spc="-1" dirty="0">
               <a:latin typeface="Arial"/>
             </a:endParaRPr>
           </a:p>
@@ -4791,7 +4791,7 @@
     <a:masterClrMapping/>
   </p:clrMapOvr>
   <mc:AlternateContent xmlns:mc="http://schemas.openxmlformats.org/markup-compatibility/2006">
-    <mc:Choice xmlns:p15="http://schemas.microsoft.com/office/powerpoint/2012/main" xmlns:p14="http://schemas.microsoft.com/office/powerpoint/2010/main" xmlns="" Requires="p14">
+    <mc:Choice xmlns="" xmlns:p14="http://schemas.microsoft.com/office/powerpoint/2010/main" xmlns:p15="http://schemas.microsoft.com/office/powerpoint/2012/main" Requires="p14">
       <p:transition spd="slow" p14:dur="2000"/>
     </mc:Choice>
     <mc:Fallback>
@@ -4895,8 +4895,8 @@
         </p:nvSpPr>
         <p:spPr>
           <a:xfrm>
-            <a:off x="599040" y="1920240"/>
-            <a:ext cx="10738440" cy="5135400"/>
+            <a:off x="599040" y="1920239"/>
+            <a:ext cx="10738440" cy="5387989"/>
           </a:xfrm>
           <a:prstGeom prst="rect">
             <a:avLst/>
@@ -4920,7 +4920,7 @@
         </p:style>
         <p:txBody>
           <a:bodyPr lIns="0" tIns="0" rIns="0" bIns="0">
-            <a:normAutofit fontScale="85000" lnSpcReduction="20000"/>
+            <a:normAutofit fontScale="62500" lnSpcReduction="20000"/>
           </a:bodyPr>
           <a:lstStyle/>
           <a:p>
@@ -4939,7 +4939,7 @@
               <a:buChar char=""/>
             </a:pPr>
             <a:r>
-              <a:rPr lang="en-GB" sz="3200" b="0" strike="noStrike" spc="-1" dirty="0">
+              <a:rPr lang="en-GB" sz="2800" b="0" strike="noStrike" spc="-1" dirty="0">
                 <a:solidFill>
                   <a:srgbClr val="000000"/>
                 </a:solidFill>
@@ -4949,7 +4949,7 @@
               <a:t>Ideally apply 3-6 months before </a:t>
             </a:r>
             <a:r>
-              <a:rPr lang="en-GB" sz="3200" b="0" strike="noStrike" spc="-1" dirty="0" smtClean="0">
+              <a:rPr lang="en-GB" sz="2800" b="0" strike="noStrike" spc="-1" dirty="0" smtClean="0">
                 <a:solidFill>
                   <a:srgbClr val="000000"/>
                 </a:solidFill>
@@ -4958,7 +4958,7 @@
               </a:rPr>
               <a:t>submitting (or end of your funding)</a:t>
             </a:r>
-            <a:endParaRPr lang="en-GB" sz="3200" b="0" strike="noStrike" spc="-1" dirty="0">
+            <a:endParaRPr lang="en-GB" sz="2800" b="0" strike="noStrike" spc="-1" dirty="0">
               <a:latin typeface="Arial"/>
             </a:endParaRPr>
           </a:p>
@@ -5014,7 +5014,17 @@
                 <a:latin typeface="Source Sans Pro"/>
                 <a:ea typeface="DejaVu Sans"/>
               </a:rPr>
-              <a:t>Apply to more than one job</a:t>
+              <a:t>Apply to more than one </a:t>
+            </a:r>
+            <a:r>
+              <a:rPr lang="en-GB" sz="2800" b="0" strike="noStrike" spc="-1" dirty="0" smtClean="0">
+                <a:solidFill>
+                  <a:srgbClr val="000000"/>
+                </a:solidFill>
+                <a:latin typeface="Source Sans Pro"/>
+                <a:ea typeface="DejaVu Sans"/>
+              </a:rPr>
+              <a:t>job (but don’t go crazy!)</a:t>
             </a:r>
             <a:endParaRPr lang="en-GB" sz="2800" b="0" strike="noStrike" spc="-1" dirty="0">
               <a:latin typeface="Arial"/>
@@ -5036,6 +5046,26 @@
               <a:buChar char=""/>
             </a:pPr>
             <a:r>
+              <a:rPr lang="en-GB" sz="2800" b="1" strike="noStrike" spc="-1" dirty="0" smtClean="0">
+                <a:solidFill>
+                  <a:srgbClr val="000000"/>
+                </a:solidFill>
+                <a:latin typeface="Source Sans Pro"/>
+                <a:ea typeface="DejaVu Sans"/>
+              </a:rPr>
+              <a:t>Application</a:t>
+            </a:r>
+            <a:r>
+              <a:rPr lang="en-GB" sz="2800" b="0" strike="noStrike" spc="-1" dirty="0" smtClean="0">
+                <a:solidFill>
+                  <a:srgbClr val="000000"/>
+                </a:solidFill>
+                <a:latin typeface="Source Sans Pro"/>
+                <a:ea typeface="DejaVu Sans"/>
+              </a:rPr>
+              <a:t>: check essential </a:t>
+            </a:r>
+            <a:r>
               <a:rPr lang="en-GB" sz="2800" b="0" strike="noStrike" spc="-1" dirty="0">
                 <a:solidFill>
                   <a:srgbClr val="000000"/>
@@ -5043,9 +5073,19 @@
                 <a:latin typeface="Source Sans Pro"/>
                 <a:ea typeface="DejaVu Sans"/>
               </a:rPr>
-              <a:t>For the application, check you meet all essential requirements in the person specification</a:t>
-            </a:r>
-            <a:endParaRPr lang="en-GB" sz="2800" b="0" strike="noStrike" spc="-1" dirty="0">
+              <a:t>requirements in the person </a:t>
+            </a:r>
+            <a:r>
+              <a:rPr lang="en-GB" sz="2800" b="0" strike="noStrike" spc="-1" dirty="0" smtClean="0">
+                <a:solidFill>
+                  <a:srgbClr val="000000"/>
+                </a:solidFill>
+                <a:latin typeface="Source Sans Pro"/>
+                <a:ea typeface="DejaVu Sans"/>
+              </a:rPr>
+              <a:t>specification carefully</a:t>
+            </a:r>
+            <a:endParaRPr lang="en-GB" sz="2800" b="0" strike="noStrike" spc="-1" dirty="0" smtClean="0">
               <a:latin typeface="Arial"/>
             </a:endParaRPr>
           </a:p>
@@ -5065,7 +5105,7 @@
               <a:buChar char=""/>
             </a:pPr>
             <a:r>
-              <a:rPr lang="en-GB" sz="2800" b="0" strike="noStrike" spc="-1" dirty="0">
+              <a:rPr lang="en-GB" sz="2800" b="0" strike="noStrike" spc="-1" dirty="0" smtClean="0">
                 <a:solidFill>
                   <a:srgbClr val="000000"/>
                 </a:solidFill>
@@ -5074,9 +5114,6 @@
               </a:rPr>
               <a:t>Back up what you say with examples</a:t>
             </a:r>
-            <a:endParaRPr lang="en-GB" sz="2800" b="0" strike="noStrike" spc="-1" dirty="0">
-              <a:latin typeface="Arial"/>
-            </a:endParaRPr>
           </a:p>
           <a:p>
             <a:pPr marL="864000" lvl="1" indent="-322920">
@@ -5094,6 +5131,34 @@
               <a:buChar char=""/>
             </a:pPr>
             <a:r>
+              <a:rPr lang="en-GB" sz="2800" spc="-1" dirty="0" smtClean="0">
+                <a:solidFill>
+                  <a:srgbClr val="000000"/>
+                </a:solidFill>
+                <a:latin typeface="Source Sans Pro"/>
+              </a:rPr>
+              <a:t>Can describe training/interest towards developing skills</a:t>
+            </a:r>
+            <a:endParaRPr lang="en-GB" sz="2800" b="0" strike="noStrike" spc="-1" dirty="0">
+              <a:latin typeface="Arial"/>
+            </a:endParaRPr>
+          </a:p>
+          <a:p>
+            <a:pPr marL="864000" lvl="1" indent="-322920">
+              <a:lnSpc>
+                <a:spcPct val="100000"/>
+              </a:lnSpc>
+              <a:spcAft>
+                <a:spcPts val="1123"/>
+              </a:spcAft>
+              <a:buClr>
+                <a:srgbClr val="04617B"/>
+              </a:buClr>
+              <a:buSzPct val="75000"/>
+              <a:buFont typeface="Symbol"/>
+              <a:buChar char=""/>
+            </a:pPr>
+            <a:r>
               <a:rPr lang="en-GB" sz="2800" b="0" strike="noStrike" spc="-1" dirty="0">
                 <a:solidFill>
                   <a:srgbClr val="000000"/>
@@ -5123,6 +5188,16 @@
               <a:buChar char=""/>
             </a:pPr>
             <a:r>
+              <a:rPr lang="en-GB" sz="2800" b="1" strike="noStrike" spc="-1" dirty="0">
+                <a:solidFill>
+                  <a:srgbClr val="000000"/>
+                </a:solidFill>
+                <a:latin typeface="Source Sans Pro"/>
+                <a:ea typeface="DejaVu Sans"/>
+              </a:rPr>
+              <a:t>Interview</a:t>
+            </a:r>
+            <a:r>
               <a:rPr lang="en-GB" sz="2800" b="0" strike="noStrike" spc="-1" dirty="0">
                 <a:solidFill>
                   <a:srgbClr val="000000"/>
@@ -5130,7 +5205,7 @@
                 <a:latin typeface="Source Sans Pro"/>
                 <a:ea typeface="DejaVu Sans"/>
               </a:rPr>
-              <a:t>Interview: follow the STAR method (Situation-Task-Action-Result)</a:t>
+              <a:t>: follow the STAR method (Situation-Task-Action-Result)</a:t>
             </a:r>
             <a:endParaRPr lang="en-GB" sz="2800" b="0" strike="noStrike" spc="-1" dirty="0">
               <a:latin typeface="Arial"/>
@@ -5188,11 +5263,18 @@
                 <a:latin typeface="Source Sans Pro"/>
                 <a:ea typeface="DejaVu Sans"/>
               </a:rPr>
-              <a:t>Mock interviews</a:t>
-            </a:r>
-            <a:endParaRPr lang="en-GB" sz="2800" b="0" strike="noStrike" spc="-1" dirty="0">
-              <a:latin typeface="Arial"/>
-            </a:endParaRPr>
+              <a:t>Mock </a:t>
+            </a:r>
+            <a:r>
+              <a:rPr lang="en-GB" sz="2800" b="0" strike="noStrike" spc="-1" dirty="0" smtClean="0">
+                <a:solidFill>
+                  <a:srgbClr val="000000"/>
+                </a:solidFill>
+                <a:latin typeface="Source Sans Pro"/>
+                <a:ea typeface="DejaVu Sans"/>
+              </a:rPr>
+              <a:t>interviews</a:t>
+            </a:r>
           </a:p>
           <a:p>
             <a:pPr marL="864000" lvl="1" indent="-322920">
@@ -5210,15 +5292,33 @@
               <a:buChar char=""/>
             </a:pPr>
             <a:r>
-              <a:rPr lang="en-GB" sz="2800" b="0" strike="noStrike" spc="-1" dirty="0">
+              <a:rPr lang="en-GB" sz="2800" spc="-1" dirty="0" smtClean="0">
                 <a:solidFill>
                   <a:srgbClr val="000000"/>
                 </a:solidFill>
                 <a:latin typeface="Source Sans Pro"/>
-                <a:ea typeface="DejaVu Sans"/>
-              </a:rPr>
-              <a:t>Review your </a:t>
-            </a:r>
+              </a:rPr>
+              <a:t>Can seek advice from staff with links to industry</a:t>
+            </a:r>
+            <a:endParaRPr lang="en-GB" sz="2800" b="0" strike="noStrike" spc="-1" dirty="0">
+              <a:latin typeface="Arial"/>
+            </a:endParaRPr>
+          </a:p>
+          <a:p>
+            <a:pPr marL="864000" lvl="1" indent="-322920">
+              <a:lnSpc>
+                <a:spcPct val="100000"/>
+              </a:lnSpc>
+              <a:spcAft>
+                <a:spcPts val="1123"/>
+              </a:spcAft>
+              <a:buClr>
+                <a:srgbClr val="04617B"/>
+              </a:buClr>
+              <a:buSzPct val="75000"/>
+              <a:buFont typeface="Symbol"/>
+              <a:buChar char=""/>
+            </a:pPr>
             <a:r>
               <a:rPr lang="en-GB" sz="2800" b="0" strike="noStrike" spc="-1" dirty="0" smtClean="0">
                 <a:solidFill>
@@ -5227,8 +5327,93 @@
                 <a:latin typeface="Source Sans Pro"/>
                 <a:ea typeface="DejaVu Sans"/>
               </a:rPr>
-              <a:t>interviews</a:t>
-            </a:r>
+              <a:t>Review your interviews</a:t>
+            </a:r>
+            <a:endParaRPr lang="en-GB" sz="2800" spc="-1" dirty="0" smtClean="0">
+              <a:solidFill>
+                <a:srgbClr val="000000"/>
+              </a:solidFill>
+              <a:latin typeface="Source Sans Pro"/>
+            </a:endParaRPr>
+          </a:p>
+          <a:p>
+            <a:pPr marL="432000" indent="-322920">
+              <a:lnSpc>
+                <a:spcPct val="100000"/>
+              </a:lnSpc>
+              <a:spcAft>
+                <a:spcPts val="1123"/>
+              </a:spcAft>
+              <a:buClr>
+                <a:srgbClr val="04617B"/>
+              </a:buClr>
+              <a:buSzPct val="45000"/>
+              <a:buFont typeface="Wingdings" charset="2"/>
+              <a:buChar char=""/>
+            </a:pPr>
+            <a:r>
+              <a:rPr lang="en-GB" sz="2800" spc="-1" dirty="0" smtClean="0">
+                <a:solidFill>
+                  <a:srgbClr val="000000"/>
+                </a:solidFill>
+                <a:latin typeface="Source Sans Pro"/>
+              </a:rPr>
+              <a:t>Balance</a:t>
+            </a:r>
+            <a:r>
+              <a:rPr lang="en-GB" sz="2800" b="1" spc="-1" dirty="0" smtClean="0">
+                <a:solidFill>
+                  <a:srgbClr val="000000"/>
+                </a:solidFill>
+                <a:latin typeface="Source Sans Pro"/>
+              </a:rPr>
+              <a:t> </a:t>
+            </a:r>
+            <a:r>
+              <a:rPr lang="en-GB" sz="2800" spc="-1" dirty="0" smtClean="0">
+                <a:solidFill>
+                  <a:srgbClr val="000000"/>
+                </a:solidFill>
+                <a:latin typeface="Source Sans Pro"/>
+              </a:rPr>
+              <a:t>not </a:t>
+            </a:r>
+            <a:r>
+              <a:rPr lang="en-GB" sz="2800" spc="-1" dirty="0" smtClean="0">
+                <a:solidFill>
+                  <a:srgbClr val="000000"/>
+                </a:solidFill>
+                <a:latin typeface="Source Sans Pro"/>
+              </a:rPr>
+              <a:t>undervaluing your skills against ‘getting a foot in the door’</a:t>
+            </a:r>
+            <a:endParaRPr lang="en-GB" sz="2800" spc="-1" dirty="0" smtClean="0"/>
+          </a:p>
+          <a:p>
+            <a:pPr marL="864000" lvl="1" indent="-322920">
+              <a:lnSpc>
+                <a:spcPct val="100000"/>
+              </a:lnSpc>
+              <a:spcAft>
+                <a:spcPts val="1123"/>
+              </a:spcAft>
+              <a:buClr>
+                <a:srgbClr val="04617B"/>
+              </a:buClr>
+              <a:buSzPct val="75000"/>
+              <a:buFont typeface="Symbol"/>
+              <a:buChar char=""/>
+            </a:pPr>
+            <a:r>
+              <a:rPr lang="en-GB" sz="2800" spc="-1" dirty="0" smtClean="0">
+                <a:solidFill>
+                  <a:srgbClr val="000000"/>
+                </a:solidFill>
+                <a:latin typeface="Source Sans Pro"/>
+              </a:rPr>
+              <a:t>PhD experience should help accelerate and shape  your career</a:t>
+            </a:r>
+            <a:endParaRPr lang="en-GB" sz="2800" spc="-1" dirty="0" smtClean="0"/>
           </a:p>
           <a:p>
             <a:pPr marL="406800" indent="-322920">
@@ -5242,16 +5427,7 @@
               <a:buFont typeface="Arial" pitchFamily="34" charset="0"/>
               <a:buChar char="•"/>
             </a:pPr>
-            <a:r>
-              <a:rPr lang="en-GB" sz="2800" spc="-1" dirty="0" smtClean="0">
-                <a:solidFill>
-                  <a:srgbClr val="000000"/>
-                </a:solidFill>
-                <a:latin typeface="Source Sans Pro"/>
-              </a:rPr>
-              <a:t>Balance not undervaluing your skills against ‘getting a foot in the door’</a:t>
-            </a:r>
-            <a:endParaRPr lang="en-GB" sz="2800" b="0" strike="noStrike" spc="-1" dirty="0">
+            <a:endParaRPr lang="en-GB" sz="2800" b="0" strike="noStrike" spc="-1" dirty="0" smtClean="0">
               <a:latin typeface="Arial"/>
             </a:endParaRPr>
           </a:p>
@@ -5276,7 +5452,7 @@
     <a:masterClrMapping/>
   </p:clrMapOvr>
   <mc:AlternateContent xmlns:mc="http://schemas.openxmlformats.org/markup-compatibility/2006">
-    <mc:Choice xmlns:p15="http://schemas.microsoft.com/office/powerpoint/2012/main" xmlns:p14="http://schemas.microsoft.com/office/powerpoint/2010/main" xmlns="" Requires="p14">
+    <mc:Choice xmlns="" xmlns:p14="http://schemas.microsoft.com/office/powerpoint/2010/main" xmlns:p15="http://schemas.microsoft.com/office/powerpoint/2012/main" Requires="p14">
       <p:transition spd="slow" p14:dur="2000"/>
     </mc:Choice>
     <mc:Fallback>
@@ -5424,7 +5600,7 @@
     <a:masterClrMapping/>
   </p:clrMapOvr>
   <mc:AlternateContent xmlns:mc="http://schemas.openxmlformats.org/markup-compatibility/2006">
-    <mc:Choice xmlns:p15="http://schemas.microsoft.com/office/powerpoint/2012/main" xmlns:p14="http://schemas.microsoft.com/office/powerpoint/2010/main" xmlns="" Requires="p14">
+    <mc:Choice xmlns="" xmlns:p14="http://schemas.microsoft.com/office/powerpoint/2010/main" xmlns:p15="http://schemas.microsoft.com/office/powerpoint/2012/main" Requires="p14">
       <p:transition spd="slow" p14:dur="2000"/>
     </mc:Choice>
     <mc:Fallback>
@@ -5899,7 +6075,7 @@
     <a:masterClrMapping/>
   </p:clrMapOvr>
   <mc:AlternateContent xmlns:mc="http://schemas.openxmlformats.org/markup-compatibility/2006">
-    <mc:Choice xmlns:p15="http://schemas.microsoft.com/office/powerpoint/2012/main" xmlns:p14="http://schemas.microsoft.com/office/powerpoint/2010/main" xmlns="" Requires="p14">
+    <mc:Choice xmlns="" xmlns:p14="http://schemas.microsoft.com/office/powerpoint/2010/main" xmlns:p15="http://schemas.microsoft.com/office/powerpoint/2012/main" Requires="p14">
       <p:transition spd="slow" p14:dur="2000"/>
     </mc:Choice>
     <mc:Fallback>
